--- a/Documents/PPT/LOGO.pptx
+++ b/Documents/PPT/LOGO.pptx
@@ -1,6 +1,6 @@
 
 <file path=ppt/presentation.xml><?xml version="1.0" encoding="utf-8"?>
-<p:presentation xmlns:a="http://schemas.openxmlformats.org/drawingml/2006/main" xmlns:r="http://schemas.openxmlformats.org/officeDocument/2006/relationships" xmlns:p="http://schemas.openxmlformats.org/presentationml/2006/main" saveSubsetFonts="1">
+<p:presentation xmlns:a="http://schemas.openxmlformats.org/drawingml/2006/main" xmlns:r="http://schemas.openxmlformats.org/officeDocument/2006/relationships" xmlns:p="http://schemas.openxmlformats.org/presentationml/2006/main" saveSubsetFonts="1" autoCompressPictures="0">
   <p:sldMasterIdLst>
     <p:sldMasterId id="2147483648" r:id="rId1"/>
   </p:sldMasterIdLst>
@@ -106,6 +106,11 @@
       </a:defRPr>
     </a:lvl9pPr>
   </p:defaultTextStyle>
+  <p:extLst>
+    <p:ext uri="{EFAFB233-063F-42B5-8137-9DF3F51BA10A}">
+      <p15:sldGuideLst xmlns:p15="http://schemas.microsoft.com/office/powerpoint/2012/main"/>
+    </p:ext>
+  </p:extLst>
 </p:presentation>
 </file>
 
@@ -3428,468 +3433,489 @@
           <a:chExt cx="0" cy="0"/>
         </a:xfrm>
       </p:grpSpPr>
-      <p:sp>
-        <p:nvSpPr>
-          <p:cNvPr id="5" name="타원 4">
-            <a:extLst>
-              <a:ext uri="{FF2B5EF4-FFF2-40B4-BE49-F238E27FC236}">
-                <a16:creationId xmlns:a16="http://schemas.microsoft.com/office/drawing/2014/main" id="{3BE52ADA-1C95-49DA-A5E3-AFC7D979792C}"/>
-              </a:ext>
-            </a:extLst>
-          </p:cNvPr>
-          <p:cNvSpPr/>
+      <p:grpSp>
+        <p:nvGrpSpPr>
+          <p:cNvPr id="3" name="그룹 2">
+            <a:extLst>
+              <a:ext uri="{FF2B5EF4-FFF2-40B4-BE49-F238E27FC236}">
+                <a16:creationId xmlns:a16="http://schemas.microsoft.com/office/drawing/2014/main" id="{CCB4CB0E-E8CC-492B-92B1-519CC44C0911}"/>
+              </a:ext>
+            </a:extLst>
+          </p:cNvPr>
+          <p:cNvGrpSpPr/>
           <p:nvPr/>
-        </p:nvSpPr>
-        <p:spPr>
+        </p:nvGrpSpPr>
+        <p:grpSpPr>
           <a:xfrm>
-            <a:off x="5246945" y="2625975"/>
-            <a:ext cx="1345013" cy="1345013"/>
+            <a:off x="2401352" y="303866"/>
+            <a:ext cx="7236896" cy="6429068"/>
+            <a:chOff x="2401352" y="303866"/>
+            <a:chExt cx="7236896" cy="6429068"/>
           </a:xfrm>
-          <a:prstGeom prst="ellipse">
-            <a:avLst/>
-          </a:prstGeom>
-          <a:noFill/>
-          <a:ln w="152400">
-            <a:solidFill>
-              <a:srgbClr val="002060"/>
-            </a:solidFill>
-          </a:ln>
-        </p:spPr>
-        <p:style>
-          <a:lnRef idx="2">
-            <a:schemeClr val="accent1">
-              <a:shade val="50000"/>
-            </a:schemeClr>
-          </a:lnRef>
-          <a:fillRef idx="1">
-            <a:schemeClr val="accent1"/>
-          </a:fillRef>
-          <a:effectRef idx="0">
-            <a:schemeClr val="accent1"/>
-          </a:effectRef>
-          <a:fontRef idx="minor">
-            <a:schemeClr val="lt1"/>
-          </a:fontRef>
-        </p:style>
-        <p:txBody>
-          <a:bodyPr rtlCol="0" anchor="ctr"/>
-          <a:lstStyle/>
-          <a:p>
-            <a:pPr algn="ctr"/>
-            <a:endParaRPr lang="ko-KR" altLang="en-US"/>
-          </a:p>
-        </p:txBody>
-      </p:sp>
-      <p:sp>
-        <p:nvSpPr>
-          <p:cNvPr id="6" name="자유형: 도형 5">
-            <a:extLst>
-              <a:ext uri="{FF2B5EF4-FFF2-40B4-BE49-F238E27FC236}">
-                <a16:creationId xmlns:a16="http://schemas.microsoft.com/office/drawing/2014/main" id="{E4847E63-4469-443E-993E-E96E77C583CB}"/>
-              </a:ext>
-            </a:extLst>
-          </p:cNvPr>
-          <p:cNvSpPr/>
-          <p:nvPr/>
-        </p:nvSpPr>
-        <p:spPr>
-          <a:xfrm>
-            <a:off x="6190982" y="2625170"/>
-            <a:ext cx="1158240" cy="1360261"/>
-          </a:xfrm>
-          <a:custGeom>
-            <a:avLst/>
-            <a:gdLst>
-              <a:gd name="connsiteX0" fmla="*/ 0 w 1158240"/>
-              <a:gd name="connsiteY0" fmla="*/ 918833 h 1496287"/>
-              <a:gd name="connsiteX1" fmla="*/ 335280 w 1158240"/>
-              <a:gd name="connsiteY1" fmla="*/ 1459853 h 1496287"/>
-              <a:gd name="connsiteX2" fmla="*/ 807720 w 1158240"/>
-              <a:gd name="connsiteY2" fmla="*/ 12053 h 1496287"/>
-              <a:gd name="connsiteX3" fmla="*/ 1158240 w 1158240"/>
-              <a:gd name="connsiteY3" fmla="*/ 766433 h 1496287"/>
-            </a:gdLst>
-            <a:ahLst/>
-            <a:cxnLst>
-              <a:cxn ang="0">
-                <a:pos x="connsiteX0" y="connsiteY0"/>
-              </a:cxn>
-              <a:cxn ang="0">
-                <a:pos x="connsiteX1" y="connsiteY1"/>
-              </a:cxn>
-              <a:cxn ang="0">
-                <a:pos x="connsiteX2" y="connsiteY2"/>
-              </a:cxn>
-              <a:cxn ang="0">
-                <a:pos x="connsiteX3" y="connsiteY3"/>
-              </a:cxn>
-            </a:cxnLst>
-            <a:rect l="l" t="t" r="r" b="b"/>
-            <a:pathLst>
-              <a:path w="1158240" h="1496287">
-                <a:moveTo>
-                  <a:pt x="0" y="918833"/>
-                </a:moveTo>
-                <a:cubicBezTo>
-                  <a:pt x="100330" y="1264908"/>
-                  <a:pt x="200660" y="1610983"/>
-                  <a:pt x="335280" y="1459853"/>
-                </a:cubicBezTo>
-                <a:cubicBezTo>
-                  <a:pt x="469900" y="1308723"/>
-                  <a:pt x="670560" y="127623"/>
-                  <a:pt x="807720" y="12053"/>
-                </a:cubicBezTo>
-                <a:cubicBezTo>
-                  <a:pt x="944880" y="-103517"/>
-                  <a:pt x="1102360" y="647053"/>
-                  <a:pt x="1158240" y="766433"/>
-                </a:cubicBezTo>
-              </a:path>
-            </a:pathLst>
-          </a:custGeom>
-          <a:noFill/>
-          <a:ln w="76200">
+        </p:grpSpPr>
+        <p:sp>
+          <p:nvSpPr>
+            <p:cNvPr id="5" name="타원 4">
+              <a:extLst>
+                <a:ext uri="{FF2B5EF4-FFF2-40B4-BE49-F238E27FC236}">
+                  <a16:creationId xmlns:a16="http://schemas.microsoft.com/office/drawing/2014/main" id="{3BE52ADA-1C95-49DA-A5E3-AFC7D979792C}"/>
+                </a:ext>
+              </a:extLst>
+            </p:cNvPr>
+            <p:cNvSpPr/>
+            <p:nvPr/>
+          </p:nvSpPr>
+          <p:spPr>
+            <a:xfrm>
+              <a:off x="3040400" y="717586"/>
+              <a:ext cx="4221228" cy="4221227"/>
+            </a:xfrm>
+            <a:prstGeom prst="ellipse">
+              <a:avLst/>
+            </a:prstGeom>
+            <a:noFill/>
+            <a:ln w="508000">
+              <a:solidFill>
+                <a:srgbClr val="002060"/>
+              </a:solidFill>
+            </a:ln>
+          </p:spPr>
+          <p:style>
+            <a:lnRef idx="2">
+              <a:schemeClr val="accent1">
+                <a:shade val="50000"/>
+              </a:schemeClr>
+            </a:lnRef>
+            <a:fillRef idx="1">
+              <a:schemeClr val="accent1"/>
+            </a:fillRef>
+            <a:effectRef idx="0">
+              <a:schemeClr val="accent1"/>
+            </a:effectRef>
+            <a:fontRef idx="minor">
+              <a:schemeClr val="lt1"/>
+            </a:fontRef>
+          </p:style>
+          <p:txBody>
+            <a:bodyPr rtlCol="0" anchor="ctr"/>
+            <a:lstStyle/>
+            <a:p>
+              <a:pPr algn="ctr"/>
+              <a:endParaRPr lang="ko-KR" altLang="en-US"/>
+            </a:p>
+          </p:txBody>
+        </p:sp>
+        <p:sp>
+          <p:nvSpPr>
+            <p:cNvPr id="6" name="자유형: 도형 5">
+              <a:extLst>
+                <a:ext uri="{FF2B5EF4-FFF2-40B4-BE49-F238E27FC236}">
+                  <a16:creationId xmlns:a16="http://schemas.microsoft.com/office/drawing/2014/main" id="{E4847E63-4469-443E-993E-E96E77C583CB}"/>
+                </a:ext>
+              </a:extLst>
+            </p:cNvPr>
+            <p:cNvSpPr/>
+            <p:nvPr/>
+          </p:nvSpPr>
+          <p:spPr>
+            <a:xfrm>
+              <a:off x="6003194" y="715060"/>
+              <a:ext cx="3635054" cy="4269082"/>
+            </a:xfrm>
+            <a:custGeom>
+              <a:avLst/>
+              <a:gdLst>
+                <a:gd name="connsiteX0" fmla="*/ 0 w 1158240"/>
+                <a:gd name="connsiteY0" fmla="*/ 918833 h 1496287"/>
+                <a:gd name="connsiteX1" fmla="*/ 335280 w 1158240"/>
+                <a:gd name="connsiteY1" fmla="*/ 1459853 h 1496287"/>
+                <a:gd name="connsiteX2" fmla="*/ 807720 w 1158240"/>
+                <a:gd name="connsiteY2" fmla="*/ 12053 h 1496287"/>
+                <a:gd name="connsiteX3" fmla="*/ 1158240 w 1158240"/>
+                <a:gd name="connsiteY3" fmla="*/ 766433 h 1496287"/>
+              </a:gdLst>
+              <a:ahLst/>
+              <a:cxnLst>
+                <a:cxn ang="0">
+                  <a:pos x="connsiteX0" y="connsiteY0"/>
+                </a:cxn>
+                <a:cxn ang="0">
+                  <a:pos x="connsiteX1" y="connsiteY1"/>
+                </a:cxn>
+                <a:cxn ang="0">
+                  <a:pos x="connsiteX2" y="connsiteY2"/>
+                </a:cxn>
+                <a:cxn ang="0">
+                  <a:pos x="connsiteX3" y="connsiteY3"/>
+                </a:cxn>
+              </a:cxnLst>
+              <a:rect l="l" t="t" r="r" b="b"/>
+              <a:pathLst>
+                <a:path w="1158240" h="1496287">
+                  <a:moveTo>
+                    <a:pt x="0" y="918833"/>
+                  </a:moveTo>
+                  <a:cubicBezTo>
+                    <a:pt x="100330" y="1264908"/>
+                    <a:pt x="200660" y="1610983"/>
+                    <a:pt x="335280" y="1459853"/>
+                  </a:cubicBezTo>
+                  <a:cubicBezTo>
+                    <a:pt x="469900" y="1308723"/>
+                    <a:pt x="670560" y="127623"/>
+                    <a:pt x="807720" y="12053"/>
+                  </a:cubicBezTo>
+                  <a:cubicBezTo>
+                    <a:pt x="944880" y="-103517"/>
+                    <a:pt x="1102360" y="647053"/>
+                    <a:pt x="1158240" y="766433"/>
+                  </a:cubicBezTo>
+                </a:path>
+              </a:pathLst>
+            </a:custGeom>
+            <a:noFill/>
+            <a:ln w="342900">
+              <a:solidFill>
+                <a:schemeClr val="accent5">
+                  <a:lumMod val="75000"/>
+                </a:schemeClr>
+              </a:solidFill>
+            </a:ln>
+          </p:spPr>
+          <p:style>
+            <a:lnRef idx="2">
+              <a:schemeClr val="accent1">
+                <a:shade val="50000"/>
+              </a:schemeClr>
+            </a:lnRef>
+            <a:fillRef idx="1">
+              <a:schemeClr val="accent1"/>
+            </a:fillRef>
+            <a:effectRef idx="0">
+              <a:schemeClr val="accent1"/>
+            </a:effectRef>
+            <a:fontRef idx="minor">
+              <a:schemeClr val="lt1"/>
+            </a:fontRef>
+          </p:style>
+          <p:txBody>
+            <a:bodyPr rtlCol="0" anchor="ctr"/>
+            <a:lstStyle/>
+            <a:p>
+              <a:pPr algn="ctr"/>
+              <a:endParaRPr lang="ko-KR" altLang="en-US"/>
+            </a:p>
+          </p:txBody>
+        </p:sp>
+        <p:sp>
+          <p:nvSpPr>
+            <p:cNvPr id="10" name="원호 9">
+              <a:extLst>
+                <a:ext uri="{FF2B5EF4-FFF2-40B4-BE49-F238E27FC236}">
+                  <a16:creationId xmlns:a16="http://schemas.microsoft.com/office/drawing/2014/main" id="{03A6CF2C-5188-4EC0-B78D-CAC010D182F9}"/>
+                </a:ext>
+              </a:extLst>
+            </p:cNvPr>
+            <p:cNvSpPr/>
+            <p:nvPr/>
+          </p:nvSpPr>
+          <p:spPr>
+            <a:xfrm rot="13500000">
+              <a:off x="2403449" y="301769"/>
+              <a:ext cx="5030898" cy="5035092"/>
+            </a:xfrm>
+            <a:prstGeom prst="arc">
+              <a:avLst/>
+            </a:prstGeom>
+            <a:ln w="342900">
+              <a:solidFill>
+                <a:schemeClr val="accent5">
+                  <a:lumMod val="75000"/>
+                </a:schemeClr>
+              </a:solidFill>
+            </a:ln>
+          </p:spPr>
+          <p:style>
+            <a:lnRef idx="1">
+              <a:schemeClr val="accent1"/>
+            </a:lnRef>
+            <a:fillRef idx="0">
+              <a:schemeClr val="accent1"/>
+            </a:fillRef>
+            <a:effectRef idx="0">
+              <a:schemeClr val="accent1"/>
+            </a:effectRef>
+            <a:fontRef idx="minor">
+              <a:schemeClr val="tx1"/>
+            </a:fontRef>
+          </p:style>
+          <p:txBody>
+            <a:bodyPr rtlCol="0" anchor="ctr"/>
+            <a:lstStyle/>
+            <a:p>
+              <a:pPr algn="ctr"/>
+              <a:endParaRPr lang="ko-KR" altLang="en-US"/>
+            </a:p>
+          </p:txBody>
+        </p:sp>
+        <p:sp>
+          <p:nvSpPr>
+            <p:cNvPr id="11" name="이등변 삼각형 10">
+              <a:extLst>
+                <a:ext uri="{FF2B5EF4-FFF2-40B4-BE49-F238E27FC236}">
+                  <a16:creationId xmlns:a16="http://schemas.microsoft.com/office/drawing/2014/main" id="{1EEB9286-F873-45AD-A6BF-D67D64CB8A19}"/>
+                </a:ext>
+              </a:extLst>
+            </p:cNvPr>
+            <p:cNvSpPr/>
+            <p:nvPr/>
+          </p:nvSpPr>
+          <p:spPr>
+            <a:xfrm rot="2700000">
+              <a:off x="2870444" y="596847"/>
+              <a:ext cx="735555" cy="697514"/>
+            </a:xfrm>
+            <a:prstGeom prst="triangle">
+              <a:avLst/>
+            </a:prstGeom>
             <a:solidFill>
               <a:schemeClr val="accent5">
                 <a:lumMod val="75000"/>
               </a:schemeClr>
             </a:solidFill>
-          </a:ln>
-        </p:spPr>
-        <p:style>
-          <a:lnRef idx="2">
-            <a:schemeClr val="accent1">
-              <a:shade val="50000"/>
-            </a:schemeClr>
-          </a:lnRef>
-          <a:fillRef idx="1">
-            <a:schemeClr val="accent1"/>
-          </a:fillRef>
-          <a:effectRef idx="0">
-            <a:schemeClr val="accent1"/>
-          </a:effectRef>
-          <a:fontRef idx="minor">
-            <a:schemeClr val="lt1"/>
-          </a:fontRef>
-        </p:style>
-        <p:txBody>
-          <a:bodyPr rtlCol="0" anchor="ctr"/>
-          <a:lstStyle/>
-          <a:p>
-            <a:pPr algn="ctr"/>
-            <a:endParaRPr lang="ko-KR" altLang="en-US"/>
-          </a:p>
-        </p:txBody>
-      </p:sp>
-      <p:sp>
-        <p:nvSpPr>
-          <p:cNvPr id="10" name="원호 9">
-            <a:extLst>
-              <a:ext uri="{FF2B5EF4-FFF2-40B4-BE49-F238E27FC236}">
-                <a16:creationId xmlns:a16="http://schemas.microsoft.com/office/drawing/2014/main" id="{03A6CF2C-5188-4EC0-B78D-CAC010D182F9}"/>
-              </a:ext>
-            </a:extLst>
-          </p:cNvPr>
-          <p:cNvSpPr/>
-          <p:nvPr/>
-        </p:nvSpPr>
-        <p:spPr>
-          <a:xfrm rot="13500000">
-            <a:off x="5092552" y="2493483"/>
-            <a:ext cx="1602999" cy="1604335"/>
-          </a:xfrm>
-          <a:prstGeom prst="arc">
-            <a:avLst/>
-          </a:prstGeom>
-          <a:ln w="76200">
-            <a:solidFill>
-              <a:schemeClr val="accent5">
-                <a:lumMod val="75000"/>
+            <a:ln>
+              <a:noFill/>
+            </a:ln>
+          </p:spPr>
+          <p:style>
+            <a:lnRef idx="2">
+              <a:schemeClr val="accent1">
+                <a:shade val="50000"/>
               </a:schemeClr>
-            </a:solidFill>
-          </a:ln>
-        </p:spPr>
-        <p:style>
-          <a:lnRef idx="1">
-            <a:schemeClr val="accent1"/>
-          </a:lnRef>
-          <a:fillRef idx="0">
-            <a:schemeClr val="accent1"/>
-          </a:fillRef>
-          <a:effectRef idx="0">
-            <a:schemeClr val="accent1"/>
-          </a:effectRef>
-          <a:fontRef idx="minor">
-            <a:schemeClr val="tx1"/>
-          </a:fontRef>
-        </p:style>
-        <p:txBody>
-          <a:bodyPr rtlCol="0" anchor="ctr"/>
-          <a:lstStyle/>
-          <a:p>
-            <a:pPr algn="ctr"/>
-            <a:endParaRPr lang="ko-KR" altLang="en-US"/>
-          </a:p>
-        </p:txBody>
-      </p:sp>
-      <p:sp>
-        <p:nvSpPr>
-          <p:cNvPr id="11" name="이등변 삼각형 10">
-            <a:extLst>
-              <a:ext uri="{FF2B5EF4-FFF2-40B4-BE49-F238E27FC236}">
-                <a16:creationId xmlns:a16="http://schemas.microsoft.com/office/drawing/2014/main" id="{1EEB9286-F873-45AD-A6BF-D67D64CB8A19}"/>
-              </a:ext>
-            </a:extLst>
-          </p:cNvPr>
-          <p:cNvSpPr/>
-          <p:nvPr/>
-        </p:nvSpPr>
-        <p:spPr>
-          <a:xfrm rot="2700000">
-            <a:off x="5292388" y="2641604"/>
-            <a:ext cx="132296" cy="114049"/>
-          </a:xfrm>
-          <a:prstGeom prst="triangle">
-            <a:avLst/>
-          </a:prstGeom>
-          <a:solidFill>
-            <a:schemeClr val="accent5">
-              <a:lumMod val="75000"/>
-            </a:schemeClr>
-          </a:solidFill>
-          <a:ln>
-            <a:noFill/>
-          </a:ln>
-        </p:spPr>
-        <p:style>
-          <a:lnRef idx="2">
-            <a:schemeClr val="accent1">
-              <a:shade val="50000"/>
-            </a:schemeClr>
-          </a:lnRef>
-          <a:fillRef idx="1">
-            <a:schemeClr val="accent1"/>
-          </a:fillRef>
-          <a:effectRef idx="0">
-            <a:schemeClr val="accent1"/>
-          </a:effectRef>
-          <a:fontRef idx="minor">
-            <a:schemeClr val="lt1"/>
-          </a:fontRef>
-        </p:style>
-        <p:txBody>
-          <a:bodyPr rtlCol="0" anchor="ctr"/>
-          <a:lstStyle/>
-          <a:p>
-            <a:pPr algn="ctr"/>
-            <a:endParaRPr lang="ko-KR" altLang="en-US"/>
-          </a:p>
-        </p:txBody>
-      </p:sp>
-      <p:sp>
-        <p:nvSpPr>
-          <p:cNvPr id="12" name="부제목 2">
-            <a:extLst>
-              <a:ext uri="{FF2B5EF4-FFF2-40B4-BE49-F238E27FC236}">
-                <a16:creationId xmlns:a16="http://schemas.microsoft.com/office/drawing/2014/main" id="{F7532009-CD7C-47D4-BE9B-6A8F7F99B1A9}"/>
-              </a:ext>
-            </a:extLst>
-          </p:cNvPr>
-          <p:cNvSpPr txBox="1">
-            <a:spLocks/>
-          </p:cNvSpPr>
-          <p:nvPr/>
-        </p:nvSpPr>
-        <p:spPr>
-          <a:xfrm>
-            <a:off x="5096481" y="4063035"/>
-            <a:ext cx="2189001" cy="479615"/>
-          </a:xfrm>
-          <a:prstGeom prst="rect">
-            <a:avLst/>
-          </a:prstGeom>
-        </p:spPr>
-        <p:txBody>
-          <a:bodyPr vert="horz" lIns="91440" tIns="45720" rIns="91440" bIns="45720" rtlCol="0">
-            <a:noAutofit/>
-          </a:bodyPr>
-          <a:lstStyle>
-            <a:lvl1pPr marL="228600" indent="-228600" algn="l" defTabSz="914400" rtl="0" eaLnBrk="1" latinLnBrk="1" hangingPunct="1">
-              <a:lnSpc>
-                <a:spcPct val="90000"/>
-              </a:lnSpc>
-              <a:spcBef>
-                <a:spcPts val="1000"/>
-              </a:spcBef>
-              <a:buFont typeface="Arial" panose="020B0604020202020204" pitchFamily="34" charset="0"/>
-              <a:buChar char="•"/>
-              <a:defRPr sz="2800" kern="1200">
-                <a:solidFill>
-                  <a:schemeClr val="tx1"/>
-                </a:solidFill>
-                <a:latin typeface="+mn-lt"/>
-                <a:ea typeface="+mn-ea"/>
-                <a:cs typeface="+mn-cs"/>
-              </a:defRPr>
-            </a:lvl1pPr>
-            <a:lvl2pPr marL="685800" indent="-228600" algn="l" defTabSz="914400" rtl="0" eaLnBrk="1" latinLnBrk="1" hangingPunct="1">
-              <a:lnSpc>
-                <a:spcPct val="90000"/>
-              </a:lnSpc>
-              <a:spcBef>
-                <a:spcPts val="500"/>
-              </a:spcBef>
-              <a:buFont typeface="Arial" panose="020B0604020202020204" pitchFamily="34" charset="0"/>
-              <a:buChar char="•"/>
-              <a:defRPr sz="2400" kern="1200">
-                <a:solidFill>
-                  <a:schemeClr val="tx1"/>
-                </a:solidFill>
-                <a:latin typeface="+mn-lt"/>
-                <a:ea typeface="+mn-ea"/>
-                <a:cs typeface="+mn-cs"/>
-              </a:defRPr>
-            </a:lvl2pPr>
-            <a:lvl3pPr marL="1143000" indent="-228600" algn="l" defTabSz="914400" rtl="0" eaLnBrk="1" latinLnBrk="1" hangingPunct="1">
-              <a:lnSpc>
-                <a:spcPct val="90000"/>
-              </a:lnSpc>
-              <a:spcBef>
-                <a:spcPts val="500"/>
-              </a:spcBef>
-              <a:buFont typeface="Arial" panose="020B0604020202020204" pitchFamily="34" charset="0"/>
-              <a:buChar char="•"/>
-              <a:defRPr sz="2000" kern="1200">
-                <a:solidFill>
-                  <a:schemeClr val="tx1"/>
-                </a:solidFill>
-                <a:latin typeface="+mn-lt"/>
-                <a:ea typeface="+mn-ea"/>
-                <a:cs typeface="+mn-cs"/>
-              </a:defRPr>
-            </a:lvl3pPr>
-            <a:lvl4pPr marL="1600200" indent="-228600" algn="l" defTabSz="914400" rtl="0" eaLnBrk="1" latinLnBrk="1" hangingPunct="1">
-              <a:lnSpc>
-                <a:spcPct val="90000"/>
-              </a:lnSpc>
-              <a:spcBef>
-                <a:spcPts val="500"/>
-              </a:spcBef>
-              <a:buFont typeface="Arial" panose="020B0604020202020204" pitchFamily="34" charset="0"/>
-              <a:buChar char="•"/>
-              <a:defRPr sz="1800" kern="1200">
-                <a:solidFill>
-                  <a:schemeClr val="tx1"/>
-                </a:solidFill>
-                <a:latin typeface="+mn-lt"/>
-                <a:ea typeface="+mn-ea"/>
-                <a:cs typeface="+mn-cs"/>
-              </a:defRPr>
-            </a:lvl4pPr>
-            <a:lvl5pPr marL="2057400" indent="-228600" algn="l" defTabSz="914400" rtl="0" eaLnBrk="1" latinLnBrk="1" hangingPunct="1">
-              <a:lnSpc>
-                <a:spcPct val="90000"/>
-              </a:lnSpc>
-              <a:spcBef>
-                <a:spcPts val="500"/>
-              </a:spcBef>
-              <a:buFont typeface="Arial" panose="020B0604020202020204" pitchFamily="34" charset="0"/>
-              <a:buChar char="•"/>
-              <a:defRPr sz="1800" kern="1200">
-                <a:solidFill>
-                  <a:schemeClr val="tx1"/>
-                </a:solidFill>
-                <a:latin typeface="+mn-lt"/>
-                <a:ea typeface="+mn-ea"/>
-                <a:cs typeface="+mn-cs"/>
-              </a:defRPr>
-            </a:lvl5pPr>
-            <a:lvl6pPr marL="2514600" indent="-228600" algn="l" defTabSz="914400" rtl="0" eaLnBrk="1" latinLnBrk="1" hangingPunct="1">
-              <a:lnSpc>
-                <a:spcPct val="90000"/>
-              </a:lnSpc>
-              <a:spcBef>
-                <a:spcPts val="500"/>
-              </a:spcBef>
-              <a:buFont typeface="Arial" panose="020B0604020202020204" pitchFamily="34" charset="0"/>
-              <a:buChar char="•"/>
-              <a:defRPr sz="1800" kern="1200">
-                <a:solidFill>
-                  <a:schemeClr val="tx1"/>
-                </a:solidFill>
-                <a:latin typeface="+mn-lt"/>
-                <a:ea typeface="+mn-ea"/>
-                <a:cs typeface="+mn-cs"/>
-              </a:defRPr>
-            </a:lvl6pPr>
-            <a:lvl7pPr marL="2971800" indent="-228600" algn="l" defTabSz="914400" rtl="0" eaLnBrk="1" latinLnBrk="1" hangingPunct="1">
-              <a:lnSpc>
-                <a:spcPct val="90000"/>
-              </a:lnSpc>
-              <a:spcBef>
-                <a:spcPts val="500"/>
-              </a:spcBef>
-              <a:buFont typeface="Arial" panose="020B0604020202020204" pitchFamily="34" charset="0"/>
-              <a:buChar char="•"/>
-              <a:defRPr sz="1800" kern="1200">
-                <a:solidFill>
-                  <a:schemeClr val="tx1"/>
-                </a:solidFill>
-                <a:latin typeface="+mn-lt"/>
-                <a:ea typeface="+mn-ea"/>
-                <a:cs typeface="+mn-cs"/>
-              </a:defRPr>
-            </a:lvl7pPr>
-            <a:lvl8pPr marL="3429000" indent="-228600" algn="l" defTabSz="914400" rtl="0" eaLnBrk="1" latinLnBrk="1" hangingPunct="1">
-              <a:lnSpc>
-                <a:spcPct val="90000"/>
-              </a:lnSpc>
-              <a:spcBef>
-                <a:spcPts val="500"/>
-              </a:spcBef>
-              <a:buFont typeface="Arial" panose="020B0604020202020204" pitchFamily="34" charset="0"/>
-              <a:buChar char="•"/>
-              <a:defRPr sz="1800" kern="1200">
-                <a:solidFill>
-                  <a:schemeClr val="tx1"/>
-                </a:solidFill>
-                <a:latin typeface="+mn-lt"/>
-                <a:ea typeface="+mn-ea"/>
-                <a:cs typeface="+mn-cs"/>
-              </a:defRPr>
-            </a:lvl8pPr>
-            <a:lvl9pPr marL="3886200" indent="-228600" algn="l" defTabSz="914400" rtl="0" eaLnBrk="1" latinLnBrk="1" hangingPunct="1">
-              <a:lnSpc>
-                <a:spcPct val="90000"/>
-              </a:lnSpc>
-              <a:spcBef>
-                <a:spcPts val="500"/>
-              </a:spcBef>
-              <a:buFont typeface="Arial" panose="020B0604020202020204" pitchFamily="34" charset="0"/>
-              <a:buChar char="•"/>
-              <a:defRPr sz="1800" kern="1200">
-                <a:solidFill>
-                  <a:schemeClr val="tx1"/>
-                </a:solidFill>
-                <a:latin typeface="+mn-lt"/>
-                <a:ea typeface="+mn-ea"/>
-                <a:cs typeface="+mn-cs"/>
-              </a:defRPr>
-            </a:lvl9pPr>
-          </a:lstStyle>
-          <a:p>
-            <a:pPr marL="0" indent="0" algn="ctr">
-              <a:buNone/>
-            </a:pPr>
-            <a:r>
-              <a:rPr lang="en-US" altLang="ko-KR" sz="4000" b="1" dirty="0"/>
-              <a:t>LOLENC</a:t>
-            </a:r>
-            <a:endParaRPr lang="ko-KR" altLang="en-US" sz="4000" b="1" dirty="0"/>
-          </a:p>
-        </p:txBody>
-      </p:sp>
+            </a:lnRef>
+            <a:fillRef idx="1">
+              <a:schemeClr val="accent1"/>
+            </a:fillRef>
+            <a:effectRef idx="0">
+              <a:schemeClr val="accent1"/>
+            </a:effectRef>
+            <a:fontRef idx="minor">
+              <a:schemeClr val="lt1"/>
+            </a:fontRef>
+          </p:style>
+          <p:txBody>
+            <a:bodyPr rtlCol="0" anchor="ctr"/>
+            <a:lstStyle/>
+            <a:p>
+              <a:pPr algn="ctr"/>
+              <a:endParaRPr lang="ko-KR" altLang="en-US"/>
+            </a:p>
+          </p:txBody>
+        </p:sp>
+        <p:sp>
+          <p:nvSpPr>
+            <p:cNvPr id="12" name="부제목 2">
+              <a:extLst>
+                <a:ext uri="{FF2B5EF4-FFF2-40B4-BE49-F238E27FC236}">
+                  <a16:creationId xmlns:a16="http://schemas.microsoft.com/office/drawing/2014/main" id="{F7532009-CD7C-47D4-BE9B-6A8F7F99B1A9}"/>
+                </a:ext>
+              </a:extLst>
+            </p:cNvPr>
+            <p:cNvSpPr txBox="1">
+              <a:spLocks/>
+            </p:cNvSpPr>
+            <p:nvPr/>
+          </p:nvSpPr>
+          <p:spPr>
+            <a:xfrm>
+              <a:off x="2568179" y="5227697"/>
+              <a:ext cx="6870025" cy="1505237"/>
+            </a:xfrm>
+            <a:prstGeom prst="rect">
+              <a:avLst/>
+            </a:prstGeom>
+          </p:spPr>
+          <p:txBody>
+            <a:bodyPr vert="horz" lIns="91440" tIns="45720" rIns="91440" bIns="45720" rtlCol="0">
+              <a:noAutofit/>
+            </a:bodyPr>
+            <a:lstStyle>
+              <a:lvl1pPr marL="228600" indent="-228600" algn="l" defTabSz="914400" rtl="0" eaLnBrk="1" latinLnBrk="1" hangingPunct="1">
+                <a:lnSpc>
+                  <a:spcPct val="90000"/>
+                </a:lnSpc>
+                <a:spcBef>
+                  <a:spcPts val="1000"/>
+                </a:spcBef>
+                <a:buFont typeface="Arial" panose="020B0604020202020204" pitchFamily="34" charset="0"/>
+                <a:buChar char="•"/>
+                <a:defRPr sz="2800" kern="1200">
+                  <a:solidFill>
+                    <a:schemeClr val="tx1"/>
+                  </a:solidFill>
+                  <a:latin typeface="+mn-lt"/>
+                  <a:ea typeface="+mn-ea"/>
+                  <a:cs typeface="+mn-cs"/>
+                </a:defRPr>
+              </a:lvl1pPr>
+              <a:lvl2pPr marL="685800" indent="-228600" algn="l" defTabSz="914400" rtl="0" eaLnBrk="1" latinLnBrk="1" hangingPunct="1">
+                <a:lnSpc>
+                  <a:spcPct val="90000"/>
+                </a:lnSpc>
+                <a:spcBef>
+                  <a:spcPts val="500"/>
+                </a:spcBef>
+                <a:buFont typeface="Arial" panose="020B0604020202020204" pitchFamily="34" charset="0"/>
+                <a:buChar char="•"/>
+                <a:defRPr sz="2400" kern="1200">
+                  <a:solidFill>
+                    <a:schemeClr val="tx1"/>
+                  </a:solidFill>
+                  <a:latin typeface="+mn-lt"/>
+                  <a:ea typeface="+mn-ea"/>
+                  <a:cs typeface="+mn-cs"/>
+                </a:defRPr>
+              </a:lvl2pPr>
+              <a:lvl3pPr marL="1143000" indent="-228600" algn="l" defTabSz="914400" rtl="0" eaLnBrk="1" latinLnBrk="1" hangingPunct="1">
+                <a:lnSpc>
+                  <a:spcPct val="90000"/>
+                </a:lnSpc>
+                <a:spcBef>
+                  <a:spcPts val="500"/>
+                </a:spcBef>
+                <a:buFont typeface="Arial" panose="020B0604020202020204" pitchFamily="34" charset="0"/>
+                <a:buChar char="•"/>
+                <a:defRPr sz="2000" kern="1200">
+                  <a:solidFill>
+                    <a:schemeClr val="tx1"/>
+                  </a:solidFill>
+                  <a:latin typeface="+mn-lt"/>
+                  <a:ea typeface="+mn-ea"/>
+                  <a:cs typeface="+mn-cs"/>
+                </a:defRPr>
+              </a:lvl3pPr>
+              <a:lvl4pPr marL="1600200" indent="-228600" algn="l" defTabSz="914400" rtl="0" eaLnBrk="1" latinLnBrk="1" hangingPunct="1">
+                <a:lnSpc>
+                  <a:spcPct val="90000"/>
+                </a:lnSpc>
+                <a:spcBef>
+                  <a:spcPts val="500"/>
+                </a:spcBef>
+                <a:buFont typeface="Arial" panose="020B0604020202020204" pitchFamily="34" charset="0"/>
+                <a:buChar char="•"/>
+                <a:defRPr sz="1800" kern="1200">
+                  <a:solidFill>
+                    <a:schemeClr val="tx1"/>
+                  </a:solidFill>
+                  <a:latin typeface="+mn-lt"/>
+                  <a:ea typeface="+mn-ea"/>
+                  <a:cs typeface="+mn-cs"/>
+                </a:defRPr>
+              </a:lvl4pPr>
+              <a:lvl5pPr marL="2057400" indent="-228600" algn="l" defTabSz="914400" rtl="0" eaLnBrk="1" latinLnBrk="1" hangingPunct="1">
+                <a:lnSpc>
+                  <a:spcPct val="90000"/>
+                </a:lnSpc>
+                <a:spcBef>
+                  <a:spcPts val="500"/>
+                </a:spcBef>
+                <a:buFont typeface="Arial" panose="020B0604020202020204" pitchFamily="34" charset="0"/>
+                <a:buChar char="•"/>
+                <a:defRPr sz="1800" kern="1200">
+                  <a:solidFill>
+                    <a:schemeClr val="tx1"/>
+                  </a:solidFill>
+                  <a:latin typeface="+mn-lt"/>
+                  <a:ea typeface="+mn-ea"/>
+                  <a:cs typeface="+mn-cs"/>
+                </a:defRPr>
+              </a:lvl5pPr>
+              <a:lvl6pPr marL="2514600" indent="-228600" algn="l" defTabSz="914400" rtl="0" eaLnBrk="1" latinLnBrk="1" hangingPunct="1">
+                <a:lnSpc>
+                  <a:spcPct val="90000"/>
+                </a:lnSpc>
+                <a:spcBef>
+                  <a:spcPts val="500"/>
+                </a:spcBef>
+                <a:buFont typeface="Arial" panose="020B0604020202020204" pitchFamily="34" charset="0"/>
+                <a:buChar char="•"/>
+                <a:defRPr sz="1800" kern="1200">
+                  <a:solidFill>
+                    <a:schemeClr val="tx1"/>
+                  </a:solidFill>
+                  <a:latin typeface="+mn-lt"/>
+                  <a:ea typeface="+mn-ea"/>
+                  <a:cs typeface="+mn-cs"/>
+                </a:defRPr>
+              </a:lvl6pPr>
+              <a:lvl7pPr marL="2971800" indent="-228600" algn="l" defTabSz="914400" rtl="0" eaLnBrk="1" latinLnBrk="1" hangingPunct="1">
+                <a:lnSpc>
+                  <a:spcPct val="90000"/>
+                </a:lnSpc>
+                <a:spcBef>
+                  <a:spcPts val="500"/>
+                </a:spcBef>
+                <a:buFont typeface="Arial" panose="020B0604020202020204" pitchFamily="34" charset="0"/>
+                <a:buChar char="•"/>
+                <a:defRPr sz="1800" kern="1200">
+                  <a:solidFill>
+                    <a:schemeClr val="tx1"/>
+                  </a:solidFill>
+                  <a:latin typeface="+mn-lt"/>
+                  <a:ea typeface="+mn-ea"/>
+                  <a:cs typeface="+mn-cs"/>
+                </a:defRPr>
+              </a:lvl7pPr>
+              <a:lvl8pPr marL="3429000" indent="-228600" algn="l" defTabSz="914400" rtl="0" eaLnBrk="1" latinLnBrk="1" hangingPunct="1">
+                <a:lnSpc>
+                  <a:spcPct val="90000"/>
+                </a:lnSpc>
+                <a:spcBef>
+                  <a:spcPts val="500"/>
+                </a:spcBef>
+                <a:buFont typeface="Arial" panose="020B0604020202020204" pitchFamily="34" charset="0"/>
+                <a:buChar char="•"/>
+                <a:defRPr sz="1800" kern="1200">
+                  <a:solidFill>
+                    <a:schemeClr val="tx1"/>
+                  </a:solidFill>
+                  <a:latin typeface="+mn-lt"/>
+                  <a:ea typeface="+mn-ea"/>
+                  <a:cs typeface="+mn-cs"/>
+                </a:defRPr>
+              </a:lvl8pPr>
+              <a:lvl9pPr marL="3886200" indent="-228600" algn="l" defTabSz="914400" rtl="0" eaLnBrk="1" latinLnBrk="1" hangingPunct="1">
+                <a:lnSpc>
+                  <a:spcPct val="90000"/>
+                </a:lnSpc>
+                <a:spcBef>
+                  <a:spcPts val="500"/>
+                </a:spcBef>
+                <a:buFont typeface="Arial" panose="020B0604020202020204" pitchFamily="34" charset="0"/>
+                <a:buChar char="•"/>
+                <a:defRPr sz="1800" kern="1200">
+                  <a:solidFill>
+                    <a:schemeClr val="tx1"/>
+                  </a:solidFill>
+                  <a:latin typeface="+mn-lt"/>
+                  <a:ea typeface="+mn-ea"/>
+                  <a:cs typeface="+mn-cs"/>
+                </a:defRPr>
+              </a:lvl9pPr>
+            </a:lstStyle>
+            <a:p>
+              <a:pPr marL="0" indent="0" algn="ctr">
+                <a:buNone/>
+              </a:pPr>
+              <a:r>
+                <a:rPr lang="en-US" altLang="ko-KR" sz="10000" b="1" dirty="0"/>
+                <a:t>LOLENC</a:t>
+              </a:r>
+              <a:endParaRPr lang="ko-KR" altLang="en-US" sz="10000" b="1" dirty="0"/>
+            </a:p>
+          </p:txBody>
+        </p:sp>
+      </p:grpSp>
     </p:spTree>
     <p:extLst>
       <p:ext uri="{BB962C8B-B14F-4D97-AF65-F5344CB8AC3E}">

--- a/Documents/PPT/LOGO.pptx
+++ b/Documents/PPT/LOGO.pptx
@@ -3433,12 +3433,320 @@
           <a:chExt cx="0" cy="0"/>
         </a:xfrm>
       </p:grpSpPr>
+      <p:sp>
+        <p:nvSpPr>
+          <p:cNvPr id="10" name="원호 9">
+            <a:extLst>
+              <a:ext uri="{FF2B5EF4-FFF2-40B4-BE49-F238E27FC236}">
+                <a16:creationId xmlns:a16="http://schemas.microsoft.com/office/drawing/2014/main" id="{03A6CF2C-5188-4EC0-B78D-CAC010D182F9}"/>
+              </a:ext>
+            </a:extLst>
+          </p:cNvPr>
+          <p:cNvSpPr/>
+          <p:nvPr/>
+        </p:nvSpPr>
+        <p:spPr>
+          <a:xfrm rot="13500000">
+            <a:off x="2403449" y="16543"/>
+            <a:ext cx="5030898" cy="5035092"/>
+          </a:xfrm>
+          <a:prstGeom prst="arc">
+            <a:avLst/>
+          </a:prstGeom>
+          <a:ln w="342900">
+            <a:solidFill>
+              <a:schemeClr val="accent5">
+                <a:lumMod val="75000"/>
+              </a:schemeClr>
+            </a:solidFill>
+          </a:ln>
+        </p:spPr>
+        <p:style>
+          <a:lnRef idx="1">
+            <a:schemeClr val="accent1"/>
+          </a:lnRef>
+          <a:fillRef idx="0">
+            <a:schemeClr val="accent1"/>
+          </a:fillRef>
+          <a:effectRef idx="0">
+            <a:schemeClr val="accent1"/>
+          </a:effectRef>
+          <a:fontRef idx="minor">
+            <a:schemeClr val="tx1"/>
+          </a:fontRef>
+        </p:style>
+        <p:txBody>
+          <a:bodyPr rtlCol="0" anchor="ctr"/>
+          <a:lstStyle/>
+          <a:p>
+            <a:pPr algn="ctr"/>
+            <a:endParaRPr lang="ko-KR" altLang="en-US"/>
+          </a:p>
+        </p:txBody>
+      </p:sp>
+      <p:sp>
+        <p:nvSpPr>
+          <p:cNvPr id="11" name="이등변 삼각형 10">
+            <a:extLst>
+              <a:ext uri="{FF2B5EF4-FFF2-40B4-BE49-F238E27FC236}">
+                <a16:creationId xmlns:a16="http://schemas.microsoft.com/office/drawing/2014/main" id="{1EEB9286-F873-45AD-A6BF-D67D64CB8A19}"/>
+              </a:ext>
+            </a:extLst>
+          </p:cNvPr>
+          <p:cNvSpPr/>
+          <p:nvPr/>
+        </p:nvSpPr>
+        <p:spPr>
+          <a:xfrm rot="2700000">
+            <a:off x="2870444" y="311621"/>
+            <a:ext cx="735555" cy="697514"/>
+          </a:xfrm>
+          <a:prstGeom prst="triangle">
+            <a:avLst/>
+          </a:prstGeom>
+          <a:solidFill>
+            <a:schemeClr val="accent5">
+              <a:lumMod val="75000"/>
+            </a:schemeClr>
+          </a:solidFill>
+          <a:ln>
+            <a:noFill/>
+          </a:ln>
+        </p:spPr>
+        <p:style>
+          <a:lnRef idx="2">
+            <a:schemeClr val="accent1">
+              <a:shade val="50000"/>
+            </a:schemeClr>
+          </a:lnRef>
+          <a:fillRef idx="1">
+            <a:schemeClr val="accent1"/>
+          </a:fillRef>
+          <a:effectRef idx="0">
+            <a:schemeClr val="accent1"/>
+          </a:effectRef>
+          <a:fontRef idx="minor">
+            <a:schemeClr val="lt1"/>
+          </a:fontRef>
+        </p:style>
+        <p:txBody>
+          <a:bodyPr rtlCol="0" anchor="ctr"/>
+          <a:lstStyle/>
+          <a:p>
+            <a:pPr algn="ctr"/>
+            <a:endParaRPr lang="ko-KR" altLang="en-US"/>
+          </a:p>
+        </p:txBody>
+      </p:sp>
+      <p:sp>
+        <p:nvSpPr>
+          <p:cNvPr id="12" name="부제목 2">
+            <a:extLst>
+              <a:ext uri="{FF2B5EF4-FFF2-40B4-BE49-F238E27FC236}">
+                <a16:creationId xmlns:a16="http://schemas.microsoft.com/office/drawing/2014/main" id="{F7532009-CD7C-47D4-BE9B-6A8F7F99B1A9}"/>
+              </a:ext>
+            </a:extLst>
+          </p:cNvPr>
+          <p:cNvSpPr txBox="1">
+            <a:spLocks/>
+          </p:cNvSpPr>
+          <p:nvPr/>
+        </p:nvSpPr>
+        <p:spPr>
+          <a:xfrm>
+            <a:off x="2568179" y="4783080"/>
+            <a:ext cx="6870025" cy="1505237"/>
+          </a:xfrm>
+          <a:prstGeom prst="rect">
+            <a:avLst/>
+          </a:prstGeom>
+        </p:spPr>
+        <p:txBody>
+          <a:bodyPr vert="horz" lIns="91440" tIns="45720" rIns="91440" bIns="45720" rtlCol="0">
+            <a:noAutofit/>
+          </a:bodyPr>
+          <a:lstStyle>
+            <a:lvl1pPr marL="228600" indent="-228600" algn="l" defTabSz="914400" rtl="0" eaLnBrk="1" latinLnBrk="1" hangingPunct="1">
+              <a:lnSpc>
+                <a:spcPct val="90000"/>
+              </a:lnSpc>
+              <a:spcBef>
+                <a:spcPts val="1000"/>
+              </a:spcBef>
+              <a:buFont typeface="Arial" panose="020B0604020202020204" pitchFamily="34" charset="0"/>
+              <a:buChar char="•"/>
+              <a:defRPr sz="2800" kern="1200">
+                <a:solidFill>
+                  <a:schemeClr val="tx1"/>
+                </a:solidFill>
+                <a:latin typeface="+mn-lt"/>
+                <a:ea typeface="+mn-ea"/>
+                <a:cs typeface="+mn-cs"/>
+              </a:defRPr>
+            </a:lvl1pPr>
+            <a:lvl2pPr marL="685800" indent="-228600" algn="l" defTabSz="914400" rtl="0" eaLnBrk="1" latinLnBrk="1" hangingPunct="1">
+              <a:lnSpc>
+                <a:spcPct val="90000"/>
+              </a:lnSpc>
+              <a:spcBef>
+                <a:spcPts val="500"/>
+              </a:spcBef>
+              <a:buFont typeface="Arial" panose="020B0604020202020204" pitchFamily="34" charset="0"/>
+              <a:buChar char="•"/>
+              <a:defRPr sz="2400" kern="1200">
+                <a:solidFill>
+                  <a:schemeClr val="tx1"/>
+                </a:solidFill>
+                <a:latin typeface="+mn-lt"/>
+                <a:ea typeface="+mn-ea"/>
+                <a:cs typeface="+mn-cs"/>
+              </a:defRPr>
+            </a:lvl2pPr>
+            <a:lvl3pPr marL="1143000" indent="-228600" algn="l" defTabSz="914400" rtl="0" eaLnBrk="1" latinLnBrk="1" hangingPunct="1">
+              <a:lnSpc>
+                <a:spcPct val="90000"/>
+              </a:lnSpc>
+              <a:spcBef>
+                <a:spcPts val="500"/>
+              </a:spcBef>
+              <a:buFont typeface="Arial" panose="020B0604020202020204" pitchFamily="34" charset="0"/>
+              <a:buChar char="•"/>
+              <a:defRPr sz="2000" kern="1200">
+                <a:solidFill>
+                  <a:schemeClr val="tx1"/>
+                </a:solidFill>
+                <a:latin typeface="+mn-lt"/>
+                <a:ea typeface="+mn-ea"/>
+                <a:cs typeface="+mn-cs"/>
+              </a:defRPr>
+            </a:lvl3pPr>
+            <a:lvl4pPr marL="1600200" indent="-228600" algn="l" defTabSz="914400" rtl="0" eaLnBrk="1" latinLnBrk="1" hangingPunct="1">
+              <a:lnSpc>
+                <a:spcPct val="90000"/>
+              </a:lnSpc>
+              <a:spcBef>
+                <a:spcPts val="500"/>
+              </a:spcBef>
+              <a:buFont typeface="Arial" panose="020B0604020202020204" pitchFamily="34" charset="0"/>
+              <a:buChar char="•"/>
+              <a:defRPr sz="1800" kern="1200">
+                <a:solidFill>
+                  <a:schemeClr val="tx1"/>
+                </a:solidFill>
+                <a:latin typeface="+mn-lt"/>
+                <a:ea typeface="+mn-ea"/>
+                <a:cs typeface="+mn-cs"/>
+              </a:defRPr>
+            </a:lvl4pPr>
+            <a:lvl5pPr marL="2057400" indent="-228600" algn="l" defTabSz="914400" rtl="0" eaLnBrk="1" latinLnBrk="1" hangingPunct="1">
+              <a:lnSpc>
+                <a:spcPct val="90000"/>
+              </a:lnSpc>
+              <a:spcBef>
+                <a:spcPts val="500"/>
+              </a:spcBef>
+              <a:buFont typeface="Arial" panose="020B0604020202020204" pitchFamily="34" charset="0"/>
+              <a:buChar char="•"/>
+              <a:defRPr sz="1800" kern="1200">
+                <a:solidFill>
+                  <a:schemeClr val="tx1"/>
+                </a:solidFill>
+                <a:latin typeface="+mn-lt"/>
+                <a:ea typeface="+mn-ea"/>
+                <a:cs typeface="+mn-cs"/>
+              </a:defRPr>
+            </a:lvl5pPr>
+            <a:lvl6pPr marL="2514600" indent="-228600" algn="l" defTabSz="914400" rtl="0" eaLnBrk="1" latinLnBrk="1" hangingPunct="1">
+              <a:lnSpc>
+                <a:spcPct val="90000"/>
+              </a:lnSpc>
+              <a:spcBef>
+                <a:spcPts val="500"/>
+              </a:spcBef>
+              <a:buFont typeface="Arial" panose="020B0604020202020204" pitchFamily="34" charset="0"/>
+              <a:buChar char="•"/>
+              <a:defRPr sz="1800" kern="1200">
+                <a:solidFill>
+                  <a:schemeClr val="tx1"/>
+                </a:solidFill>
+                <a:latin typeface="+mn-lt"/>
+                <a:ea typeface="+mn-ea"/>
+                <a:cs typeface="+mn-cs"/>
+              </a:defRPr>
+            </a:lvl6pPr>
+            <a:lvl7pPr marL="2971800" indent="-228600" algn="l" defTabSz="914400" rtl="0" eaLnBrk="1" latinLnBrk="1" hangingPunct="1">
+              <a:lnSpc>
+                <a:spcPct val="90000"/>
+              </a:lnSpc>
+              <a:spcBef>
+                <a:spcPts val="500"/>
+              </a:spcBef>
+              <a:buFont typeface="Arial" panose="020B0604020202020204" pitchFamily="34" charset="0"/>
+              <a:buChar char="•"/>
+              <a:defRPr sz="1800" kern="1200">
+                <a:solidFill>
+                  <a:schemeClr val="tx1"/>
+                </a:solidFill>
+                <a:latin typeface="+mn-lt"/>
+                <a:ea typeface="+mn-ea"/>
+                <a:cs typeface="+mn-cs"/>
+              </a:defRPr>
+            </a:lvl7pPr>
+            <a:lvl8pPr marL="3429000" indent="-228600" algn="l" defTabSz="914400" rtl="0" eaLnBrk="1" latinLnBrk="1" hangingPunct="1">
+              <a:lnSpc>
+                <a:spcPct val="90000"/>
+              </a:lnSpc>
+              <a:spcBef>
+                <a:spcPts val="500"/>
+              </a:spcBef>
+              <a:buFont typeface="Arial" panose="020B0604020202020204" pitchFamily="34" charset="0"/>
+              <a:buChar char="•"/>
+              <a:defRPr sz="1800" kern="1200">
+                <a:solidFill>
+                  <a:schemeClr val="tx1"/>
+                </a:solidFill>
+                <a:latin typeface="+mn-lt"/>
+                <a:ea typeface="+mn-ea"/>
+                <a:cs typeface="+mn-cs"/>
+              </a:defRPr>
+            </a:lvl8pPr>
+            <a:lvl9pPr marL="3886200" indent="-228600" algn="l" defTabSz="914400" rtl="0" eaLnBrk="1" latinLnBrk="1" hangingPunct="1">
+              <a:lnSpc>
+                <a:spcPct val="90000"/>
+              </a:lnSpc>
+              <a:spcBef>
+                <a:spcPts val="500"/>
+              </a:spcBef>
+              <a:buFont typeface="Arial" panose="020B0604020202020204" pitchFamily="34" charset="0"/>
+              <a:buChar char="•"/>
+              <a:defRPr sz="1800" kern="1200">
+                <a:solidFill>
+                  <a:schemeClr val="tx1"/>
+                </a:solidFill>
+                <a:latin typeface="+mn-lt"/>
+                <a:ea typeface="+mn-ea"/>
+                <a:cs typeface="+mn-cs"/>
+              </a:defRPr>
+            </a:lvl9pPr>
+          </a:lstStyle>
+          <a:p>
+            <a:pPr marL="0" indent="0" algn="ctr">
+              <a:buNone/>
+            </a:pPr>
+            <a:r>
+              <a:rPr lang="en-US" altLang="ko-KR" sz="14000" b="1" dirty="0"/>
+              <a:t>LOLENC</a:t>
+            </a:r>
+            <a:endParaRPr lang="ko-KR" altLang="en-US" sz="14000" b="1" dirty="0"/>
+          </a:p>
+        </p:txBody>
+      </p:sp>
       <p:grpSp>
         <p:nvGrpSpPr>
-          <p:cNvPr id="3" name="그룹 2">
-            <a:extLst>
-              <a:ext uri="{FF2B5EF4-FFF2-40B4-BE49-F238E27FC236}">
-                <a16:creationId xmlns:a16="http://schemas.microsoft.com/office/drawing/2014/main" id="{CCB4CB0E-E8CC-492B-92B1-519CC44C0911}"/>
+          <p:cNvPr id="4" name="그룹 3">
+            <a:extLst>
+              <a:ext uri="{FF2B5EF4-FFF2-40B4-BE49-F238E27FC236}">
+                <a16:creationId xmlns:a16="http://schemas.microsoft.com/office/drawing/2014/main" id="{9937D087-61C4-47CB-AE8A-C40B5F039389}"/>
               </a:ext>
             </a:extLst>
           </p:cNvPr>
@@ -3447,18 +3755,18 @@
         </p:nvGrpSpPr>
         <p:grpSpPr>
           <a:xfrm>
-            <a:off x="2401352" y="303866"/>
-            <a:ext cx="7236896" cy="6429068"/>
-            <a:chOff x="2401352" y="303866"/>
-            <a:chExt cx="7236896" cy="6429068"/>
+            <a:off x="2797902" y="209725"/>
+            <a:ext cx="4689446" cy="4689446"/>
+            <a:chOff x="2797902" y="209725"/>
+            <a:chExt cx="4689446" cy="4689446"/>
           </a:xfrm>
         </p:grpSpPr>
         <p:sp>
           <p:nvSpPr>
-            <p:cNvPr id="5" name="타원 4">
+            <p:cNvPr id="2" name="타원 1">
               <a:extLst>
                 <a:ext uri="{FF2B5EF4-FFF2-40B4-BE49-F238E27FC236}">
-                  <a16:creationId xmlns:a16="http://schemas.microsoft.com/office/drawing/2014/main" id="{3BE52ADA-1C95-49DA-A5E3-AFC7D979792C}"/>
+                  <a16:creationId xmlns:a16="http://schemas.microsoft.com/office/drawing/2014/main" id="{5292C0E3-B665-490C-AABC-206F24B37F42}"/>
                 </a:ext>
               </a:extLst>
             </p:cNvPr>
@@ -3467,221 +3775,14 @@
           </p:nvSpPr>
           <p:spPr>
             <a:xfrm>
-              <a:off x="3040400" y="717586"/>
-              <a:ext cx="4221228" cy="4221227"/>
+              <a:off x="2797902" y="209725"/>
+              <a:ext cx="4689446" cy="4689446"/>
             </a:xfrm>
             <a:prstGeom prst="ellipse">
               <a:avLst/>
             </a:prstGeom>
-            <a:noFill/>
-            <a:ln w="508000">
-              <a:solidFill>
-                <a:srgbClr val="002060"/>
-              </a:solidFill>
-            </a:ln>
-          </p:spPr>
-          <p:style>
-            <a:lnRef idx="2">
-              <a:schemeClr val="accent1">
-                <a:shade val="50000"/>
-              </a:schemeClr>
-            </a:lnRef>
-            <a:fillRef idx="1">
-              <a:schemeClr val="accent1"/>
-            </a:fillRef>
-            <a:effectRef idx="0">
-              <a:schemeClr val="accent1"/>
-            </a:effectRef>
-            <a:fontRef idx="minor">
-              <a:schemeClr val="lt1"/>
-            </a:fontRef>
-          </p:style>
-          <p:txBody>
-            <a:bodyPr rtlCol="0" anchor="ctr"/>
-            <a:lstStyle/>
-            <a:p>
-              <a:pPr algn="ctr"/>
-              <a:endParaRPr lang="ko-KR" altLang="en-US"/>
-            </a:p>
-          </p:txBody>
-        </p:sp>
-        <p:sp>
-          <p:nvSpPr>
-            <p:cNvPr id="6" name="자유형: 도형 5">
-              <a:extLst>
-                <a:ext uri="{FF2B5EF4-FFF2-40B4-BE49-F238E27FC236}">
-                  <a16:creationId xmlns:a16="http://schemas.microsoft.com/office/drawing/2014/main" id="{E4847E63-4469-443E-993E-E96E77C583CB}"/>
-                </a:ext>
-              </a:extLst>
-            </p:cNvPr>
-            <p:cNvSpPr/>
-            <p:nvPr/>
-          </p:nvSpPr>
-          <p:spPr>
-            <a:xfrm>
-              <a:off x="6003194" y="715060"/>
-              <a:ext cx="3635054" cy="4269082"/>
-            </a:xfrm>
-            <a:custGeom>
-              <a:avLst/>
-              <a:gdLst>
-                <a:gd name="connsiteX0" fmla="*/ 0 w 1158240"/>
-                <a:gd name="connsiteY0" fmla="*/ 918833 h 1496287"/>
-                <a:gd name="connsiteX1" fmla="*/ 335280 w 1158240"/>
-                <a:gd name="connsiteY1" fmla="*/ 1459853 h 1496287"/>
-                <a:gd name="connsiteX2" fmla="*/ 807720 w 1158240"/>
-                <a:gd name="connsiteY2" fmla="*/ 12053 h 1496287"/>
-                <a:gd name="connsiteX3" fmla="*/ 1158240 w 1158240"/>
-                <a:gd name="connsiteY3" fmla="*/ 766433 h 1496287"/>
-              </a:gdLst>
-              <a:ahLst/>
-              <a:cxnLst>
-                <a:cxn ang="0">
-                  <a:pos x="connsiteX0" y="connsiteY0"/>
-                </a:cxn>
-                <a:cxn ang="0">
-                  <a:pos x="connsiteX1" y="connsiteY1"/>
-                </a:cxn>
-                <a:cxn ang="0">
-                  <a:pos x="connsiteX2" y="connsiteY2"/>
-                </a:cxn>
-                <a:cxn ang="0">
-                  <a:pos x="connsiteX3" y="connsiteY3"/>
-                </a:cxn>
-              </a:cxnLst>
-              <a:rect l="l" t="t" r="r" b="b"/>
-              <a:pathLst>
-                <a:path w="1158240" h="1496287">
-                  <a:moveTo>
-                    <a:pt x="0" y="918833"/>
-                  </a:moveTo>
-                  <a:cubicBezTo>
-                    <a:pt x="100330" y="1264908"/>
-                    <a:pt x="200660" y="1610983"/>
-                    <a:pt x="335280" y="1459853"/>
-                  </a:cubicBezTo>
-                  <a:cubicBezTo>
-                    <a:pt x="469900" y="1308723"/>
-                    <a:pt x="670560" y="127623"/>
-                    <a:pt x="807720" y="12053"/>
-                  </a:cubicBezTo>
-                  <a:cubicBezTo>
-                    <a:pt x="944880" y="-103517"/>
-                    <a:pt x="1102360" y="647053"/>
-                    <a:pt x="1158240" y="766433"/>
-                  </a:cubicBezTo>
-                </a:path>
-              </a:pathLst>
-            </a:custGeom>
-            <a:noFill/>
-            <a:ln w="342900">
-              <a:solidFill>
-                <a:schemeClr val="accent5">
-                  <a:lumMod val="75000"/>
-                </a:schemeClr>
-              </a:solidFill>
-            </a:ln>
-          </p:spPr>
-          <p:style>
-            <a:lnRef idx="2">
-              <a:schemeClr val="accent1">
-                <a:shade val="50000"/>
-              </a:schemeClr>
-            </a:lnRef>
-            <a:fillRef idx="1">
-              <a:schemeClr val="accent1"/>
-            </a:fillRef>
-            <a:effectRef idx="0">
-              <a:schemeClr val="accent1"/>
-            </a:effectRef>
-            <a:fontRef idx="minor">
-              <a:schemeClr val="lt1"/>
-            </a:fontRef>
-          </p:style>
-          <p:txBody>
-            <a:bodyPr rtlCol="0" anchor="ctr"/>
-            <a:lstStyle/>
-            <a:p>
-              <a:pPr algn="ctr"/>
-              <a:endParaRPr lang="ko-KR" altLang="en-US"/>
-            </a:p>
-          </p:txBody>
-        </p:sp>
-        <p:sp>
-          <p:nvSpPr>
-            <p:cNvPr id="10" name="원호 9">
-              <a:extLst>
-                <a:ext uri="{FF2B5EF4-FFF2-40B4-BE49-F238E27FC236}">
-                  <a16:creationId xmlns:a16="http://schemas.microsoft.com/office/drawing/2014/main" id="{03A6CF2C-5188-4EC0-B78D-CAC010D182F9}"/>
-                </a:ext>
-              </a:extLst>
-            </p:cNvPr>
-            <p:cNvSpPr/>
-            <p:nvPr/>
-          </p:nvSpPr>
-          <p:spPr>
-            <a:xfrm rot="13500000">
-              <a:off x="2403449" y="301769"/>
-              <a:ext cx="5030898" cy="5035092"/>
-            </a:xfrm>
-            <a:prstGeom prst="arc">
-              <a:avLst/>
-            </a:prstGeom>
-            <a:ln w="342900">
-              <a:solidFill>
-                <a:schemeClr val="accent5">
-                  <a:lumMod val="75000"/>
-                </a:schemeClr>
-              </a:solidFill>
-            </a:ln>
-          </p:spPr>
-          <p:style>
-            <a:lnRef idx="1">
-              <a:schemeClr val="accent1"/>
-            </a:lnRef>
-            <a:fillRef idx="0">
-              <a:schemeClr val="accent1"/>
-            </a:fillRef>
-            <a:effectRef idx="0">
-              <a:schemeClr val="accent1"/>
-            </a:effectRef>
-            <a:fontRef idx="minor">
-              <a:schemeClr val="tx1"/>
-            </a:fontRef>
-          </p:style>
-          <p:txBody>
-            <a:bodyPr rtlCol="0" anchor="ctr"/>
-            <a:lstStyle/>
-            <a:p>
-              <a:pPr algn="ctr"/>
-              <a:endParaRPr lang="ko-KR" altLang="en-US"/>
-            </a:p>
-          </p:txBody>
-        </p:sp>
-        <p:sp>
-          <p:nvSpPr>
-            <p:cNvPr id="11" name="이등변 삼각형 10">
-              <a:extLst>
-                <a:ext uri="{FF2B5EF4-FFF2-40B4-BE49-F238E27FC236}">
-                  <a16:creationId xmlns:a16="http://schemas.microsoft.com/office/drawing/2014/main" id="{1EEB9286-F873-45AD-A6BF-D67D64CB8A19}"/>
-                </a:ext>
-              </a:extLst>
-            </p:cNvPr>
-            <p:cNvSpPr/>
-            <p:nvPr/>
-          </p:nvSpPr>
-          <p:spPr>
-            <a:xfrm rot="2700000">
-              <a:off x="2870444" y="596847"/>
-              <a:ext cx="735555" cy="697514"/>
-            </a:xfrm>
-            <a:prstGeom prst="triangle">
-              <a:avLst/>
-            </a:prstGeom>
             <a:solidFill>
-              <a:schemeClr val="accent5">
-                <a:lumMod val="75000"/>
-              </a:schemeClr>
+              <a:srgbClr val="002060"/>
             </a:solidFill>
             <a:ln>
               <a:noFill/>
@@ -3714,208 +3815,159 @@
         </p:sp>
         <p:sp>
           <p:nvSpPr>
-            <p:cNvPr id="12" name="부제목 2">
+            <p:cNvPr id="3" name="타원 2">
               <a:extLst>
                 <a:ext uri="{FF2B5EF4-FFF2-40B4-BE49-F238E27FC236}">
-                  <a16:creationId xmlns:a16="http://schemas.microsoft.com/office/drawing/2014/main" id="{F7532009-CD7C-47D4-BE9B-6A8F7F99B1A9}"/>
+                  <a16:creationId xmlns:a16="http://schemas.microsoft.com/office/drawing/2014/main" id="{F3934CAC-0F33-4C47-A6ED-3A451EBDD892}"/>
                 </a:ext>
               </a:extLst>
             </p:cNvPr>
-            <p:cNvSpPr txBox="1">
-              <a:spLocks/>
-            </p:cNvSpPr>
+            <p:cNvSpPr/>
             <p:nvPr/>
           </p:nvSpPr>
           <p:spPr>
             <a:xfrm>
-              <a:off x="2568179" y="5227697"/>
-              <a:ext cx="6870025" cy="1505237"/>
+              <a:off x="3360625" y="752089"/>
+              <a:ext cx="3564000" cy="3564000"/>
             </a:xfrm>
-            <a:prstGeom prst="rect">
+            <a:prstGeom prst="ellipse">
               <a:avLst/>
             </a:prstGeom>
+            <a:solidFill>
+              <a:schemeClr val="bg1"/>
+            </a:solidFill>
+            <a:ln>
+              <a:noFill/>
+            </a:ln>
           </p:spPr>
+          <p:style>
+            <a:lnRef idx="2">
+              <a:schemeClr val="accent1">
+                <a:shade val="50000"/>
+              </a:schemeClr>
+            </a:lnRef>
+            <a:fillRef idx="1">
+              <a:schemeClr val="accent1"/>
+            </a:fillRef>
+            <a:effectRef idx="0">
+              <a:schemeClr val="accent1"/>
+            </a:effectRef>
+            <a:fontRef idx="minor">
+              <a:schemeClr val="lt1"/>
+            </a:fontRef>
+          </p:style>
           <p:txBody>
-            <a:bodyPr vert="horz" lIns="91440" tIns="45720" rIns="91440" bIns="45720" rtlCol="0">
-              <a:noAutofit/>
-            </a:bodyPr>
-            <a:lstStyle>
-              <a:lvl1pPr marL="228600" indent="-228600" algn="l" defTabSz="914400" rtl="0" eaLnBrk="1" latinLnBrk="1" hangingPunct="1">
-                <a:lnSpc>
-                  <a:spcPct val="90000"/>
-                </a:lnSpc>
-                <a:spcBef>
-                  <a:spcPts val="1000"/>
-                </a:spcBef>
-                <a:buFont typeface="Arial" panose="020B0604020202020204" pitchFamily="34" charset="0"/>
-                <a:buChar char="•"/>
-                <a:defRPr sz="2800" kern="1200">
-                  <a:solidFill>
-                    <a:schemeClr val="tx1"/>
-                  </a:solidFill>
-                  <a:latin typeface="+mn-lt"/>
-                  <a:ea typeface="+mn-ea"/>
-                  <a:cs typeface="+mn-cs"/>
-                </a:defRPr>
-              </a:lvl1pPr>
-              <a:lvl2pPr marL="685800" indent="-228600" algn="l" defTabSz="914400" rtl="0" eaLnBrk="1" latinLnBrk="1" hangingPunct="1">
-                <a:lnSpc>
-                  <a:spcPct val="90000"/>
-                </a:lnSpc>
-                <a:spcBef>
-                  <a:spcPts val="500"/>
-                </a:spcBef>
-                <a:buFont typeface="Arial" panose="020B0604020202020204" pitchFamily="34" charset="0"/>
-                <a:buChar char="•"/>
-                <a:defRPr sz="2400" kern="1200">
-                  <a:solidFill>
-                    <a:schemeClr val="tx1"/>
-                  </a:solidFill>
-                  <a:latin typeface="+mn-lt"/>
-                  <a:ea typeface="+mn-ea"/>
-                  <a:cs typeface="+mn-cs"/>
-                </a:defRPr>
-              </a:lvl2pPr>
-              <a:lvl3pPr marL="1143000" indent="-228600" algn="l" defTabSz="914400" rtl="0" eaLnBrk="1" latinLnBrk="1" hangingPunct="1">
-                <a:lnSpc>
-                  <a:spcPct val="90000"/>
-                </a:lnSpc>
-                <a:spcBef>
-                  <a:spcPts val="500"/>
-                </a:spcBef>
-                <a:buFont typeface="Arial" panose="020B0604020202020204" pitchFamily="34" charset="0"/>
-                <a:buChar char="•"/>
-                <a:defRPr sz="2000" kern="1200">
-                  <a:solidFill>
-                    <a:schemeClr val="tx1"/>
-                  </a:solidFill>
-                  <a:latin typeface="+mn-lt"/>
-                  <a:ea typeface="+mn-ea"/>
-                  <a:cs typeface="+mn-cs"/>
-                </a:defRPr>
-              </a:lvl3pPr>
-              <a:lvl4pPr marL="1600200" indent="-228600" algn="l" defTabSz="914400" rtl="0" eaLnBrk="1" latinLnBrk="1" hangingPunct="1">
-                <a:lnSpc>
-                  <a:spcPct val="90000"/>
-                </a:lnSpc>
-                <a:spcBef>
-                  <a:spcPts val="500"/>
-                </a:spcBef>
-                <a:buFont typeface="Arial" panose="020B0604020202020204" pitchFamily="34" charset="0"/>
-                <a:buChar char="•"/>
-                <a:defRPr sz="1800" kern="1200">
-                  <a:solidFill>
-                    <a:schemeClr val="tx1"/>
-                  </a:solidFill>
-                  <a:latin typeface="+mn-lt"/>
-                  <a:ea typeface="+mn-ea"/>
-                  <a:cs typeface="+mn-cs"/>
-                </a:defRPr>
-              </a:lvl4pPr>
-              <a:lvl5pPr marL="2057400" indent="-228600" algn="l" defTabSz="914400" rtl="0" eaLnBrk="1" latinLnBrk="1" hangingPunct="1">
-                <a:lnSpc>
-                  <a:spcPct val="90000"/>
-                </a:lnSpc>
-                <a:spcBef>
-                  <a:spcPts val="500"/>
-                </a:spcBef>
-                <a:buFont typeface="Arial" panose="020B0604020202020204" pitchFamily="34" charset="0"/>
-                <a:buChar char="•"/>
-                <a:defRPr sz="1800" kern="1200">
-                  <a:solidFill>
-                    <a:schemeClr val="tx1"/>
-                  </a:solidFill>
-                  <a:latin typeface="+mn-lt"/>
-                  <a:ea typeface="+mn-ea"/>
-                  <a:cs typeface="+mn-cs"/>
-                </a:defRPr>
-              </a:lvl5pPr>
-              <a:lvl6pPr marL="2514600" indent="-228600" algn="l" defTabSz="914400" rtl="0" eaLnBrk="1" latinLnBrk="1" hangingPunct="1">
-                <a:lnSpc>
-                  <a:spcPct val="90000"/>
-                </a:lnSpc>
-                <a:spcBef>
-                  <a:spcPts val="500"/>
-                </a:spcBef>
-                <a:buFont typeface="Arial" panose="020B0604020202020204" pitchFamily="34" charset="0"/>
-                <a:buChar char="•"/>
-                <a:defRPr sz="1800" kern="1200">
-                  <a:solidFill>
-                    <a:schemeClr val="tx1"/>
-                  </a:solidFill>
-                  <a:latin typeface="+mn-lt"/>
-                  <a:ea typeface="+mn-ea"/>
-                  <a:cs typeface="+mn-cs"/>
-                </a:defRPr>
-              </a:lvl6pPr>
-              <a:lvl7pPr marL="2971800" indent="-228600" algn="l" defTabSz="914400" rtl="0" eaLnBrk="1" latinLnBrk="1" hangingPunct="1">
-                <a:lnSpc>
-                  <a:spcPct val="90000"/>
-                </a:lnSpc>
-                <a:spcBef>
-                  <a:spcPts val="500"/>
-                </a:spcBef>
-                <a:buFont typeface="Arial" panose="020B0604020202020204" pitchFamily="34" charset="0"/>
-                <a:buChar char="•"/>
-                <a:defRPr sz="1800" kern="1200">
-                  <a:solidFill>
-                    <a:schemeClr val="tx1"/>
-                  </a:solidFill>
-                  <a:latin typeface="+mn-lt"/>
-                  <a:ea typeface="+mn-ea"/>
-                  <a:cs typeface="+mn-cs"/>
-                </a:defRPr>
-              </a:lvl7pPr>
-              <a:lvl8pPr marL="3429000" indent="-228600" algn="l" defTabSz="914400" rtl="0" eaLnBrk="1" latinLnBrk="1" hangingPunct="1">
-                <a:lnSpc>
-                  <a:spcPct val="90000"/>
-                </a:lnSpc>
-                <a:spcBef>
-                  <a:spcPts val="500"/>
-                </a:spcBef>
-                <a:buFont typeface="Arial" panose="020B0604020202020204" pitchFamily="34" charset="0"/>
-                <a:buChar char="•"/>
-                <a:defRPr sz="1800" kern="1200">
-                  <a:solidFill>
-                    <a:schemeClr val="tx1"/>
-                  </a:solidFill>
-                  <a:latin typeface="+mn-lt"/>
-                  <a:ea typeface="+mn-ea"/>
-                  <a:cs typeface="+mn-cs"/>
-                </a:defRPr>
-              </a:lvl8pPr>
-              <a:lvl9pPr marL="3886200" indent="-228600" algn="l" defTabSz="914400" rtl="0" eaLnBrk="1" latinLnBrk="1" hangingPunct="1">
-                <a:lnSpc>
-                  <a:spcPct val="90000"/>
-                </a:lnSpc>
-                <a:spcBef>
-                  <a:spcPts val="500"/>
-                </a:spcBef>
-                <a:buFont typeface="Arial" panose="020B0604020202020204" pitchFamily="34" charset="0"/>
-                <a:buChar char="•"/>
-                <a:defRPr sz="1800" kern="1200">
-                  <a:solidFill>
-                    <a:schemeClr val="tx1"/>
-                  </a:solidFill>
-                  <a:latin typeface="+mn-lt"/>
-                  <a:ea typeface="+mn-ea"/>
-                  <a:cs typeface="+mn-cs"/>
-                </a:defRPr>
-              </a:lvl9pPr>
-            </a:lstStyle>
+            <a:bodyPr rtlCol="0" anchor="ctr"/>
+            <a:lstStyle/>
             <a:p>
-              <a:pPr marL="0" indent="0" algn="ctr">
-                <a:buNone/>
-              </a:pPr>
-              <a:r>
-                <a:rPr lang="en-US" altLang="ko-KR" sz="10000" b="1" dirty="0"/>
-                <a:t>LOLENC</a:t>
-              </a:r>
-              <a:endParaRPr lang="ko-KR" altLang="en-US" sz="10000" b="1" dirty="0"/>
+              <a:pPr algn="ctr"/>
+              <a:endParaRPr lang="ko-KR" altLang="en-US"/>
             </a:p>
           </p:txBody>
         </p:sp>
       </p:grpSp>
+      <p:sp>
+        <p:nvSpPr>
+          <p:cNvPr id="6" name="자유형: 도형 5">
+            <a:extLst>
+              <a:ext uri="{FF2B5EF4-FFF2-40B4-BE49-F238E27FC236}">
+                <a16:creationId xmlns:a16="http://schemas.microsoft.com/office/drawing/2014/main" id="{E4847E63-4469-443E-993E-E96E77C583CB}"/>
+              </a:ext>
+            </a:extLst>
+          </p:cNvPr>
+          <p:cNvSpPr/>
+          <p:nvPr/>
+        </p:nvSpPr>
+        <p:spPr>
+          <a:xfrm>
+            <a:off x="6003194" y="429834"/>
+            <a:ext cx="3635054" cy="4269082"/>
+          </a:xfrm>
+          <a:custGeom>
+            <a:avLst/>
+            <a:gdLst>
+              <a:gd name="connsiteX0" fmla="*/ 0 w 1158240"/>
+              <a:gd name="connsiteY0" fmla="*/ 918833 h 1496287"/>
+              <a:gd name="connsiteX1" fmla="*/ 335280 w 1158240"/>
+              <a:gd name="connsiteY1" fmla="*/ 1459853 h 1496287"/>
+              <a:gd name="connsiteX2" fmla="*/ 807720 w 1158240"/>
+              <a:gd name="connsiteY2" fmla="*/ 12053 h 1496287"/>
+              <a:gd name="connsiteX3" fmla="*/ 1158240 w 1158240"/>
+              <a:gd name="connsiteY3" fmla="*/ 766433 h 1496287"/>
+            </a:gdLst>
+            <a:ahLst/>
+            <a:cxnLst>
+              <a:cxn ang="0">
+                <a:pos x="connsiteX0" y="connsiteY0"/>
+              </a:cxn>
+              <a:cxn ang="0">
+                <a:pos x="connsiteX1" y="connsiteY1"/>
+              </a:cxn>
+              <a:cxn ang="0">
+                <a:pos x="connsiteX2" y="connsiteY2"/>
+              </a:cxn>
+              <a:cxn ang="0">
+                <a:pos x="connsiteX3" y="connsiteY3"/>
+              </a:cxn>
+            </a:cxnLst>
+            <a:rect l="l" t="t" r="r" b="b"/>
+            <a:pathLst>
+              <a:path w="1158240" h="1496287">
+                <a:moveTo>
+                  <a:pt x="0" y="918833"/>
+                </a:moveTo>
+                <a:cubicBezTo>
+                  <a:pt x="100330" y="1264908"/>
+                  <a:pt x="200660" y="1610983"/>
+                  <a:pt x="335280" y="1459853"/>
+                </a:cubicBezTo>
+                <a:cubicBezTo>
+                  <a:pt x="469900" y="1308723"/>
+                  <a:pt x="670560" y="127623"/>
+                  <a:pt x="807720" y="12053"/>
+                </a:cubicBezTo>
+                <a:cubicBezTo>
+                  <a:pt x="944880" y="-103517"/>
+                  <a:pt x="1102360" y="647053"/>
+                  <a:pt x="1158240" y="766433"/>
+                </a:cubicBezTo>
+              </a:path>
+            </a:pathLst>
+          </a:custGeom>
+          <a:noFill/>
+          <a:ln w="342900">
+            <a:solidFill>
+              <a:schemeClr val="accent5">
+                <a:lumMod val="75000"/>
+              </a:schemeClr>
+            </a:solidFill>
+          </a:ln>
+        </p:spPr>
+        <p:style>
+          <a:lnRef idx="2">
+            <a:schemeClr val="accent1">
+              <a:shade val="50000"/>
+            </a:schemeClr>
+          </a:lnRef>
+          <a:fillRef idx="1">
+            <a:schemeClr val="accent1"/>
+          </a:fillRef>
+          <a:effectRef idx="0">
+            <a:schemeClr val="accent1"/>
+          </a:effectRef>
+          <a:fontRef idx="minor">
+            <a:schemeClr val="lt1"/>
+          </a:fontRef>
+        </p:style>
+        <p:txBody>
+          <a:bodyPr rtlCol="0" anchor="ctr"/>
+          <a:lstStyle/>
+          <a:p>
+            <a:pPr algn="ctr"/>
+            <a:endParaRPr lang="ko-KR" altLang="en-US"/>
+          </a:p>
+        </p:txBody>
+      </p:sp>
     </p:spTree>
     <p:extLst>
       <p:ext uri="{BB962C8B-B14F-4D97-AF65-F5344CB8AC3E}">
